--- a/docs/carpenter_project1_heartbeat.pptx
+++ b/docs/carpenter_project1_heartbeat.pptx
@@ -111,6 +111,11 @@
       </a:defRPr>
     </a:lvl9pPr>
   </p:defaultTextStyle>
+  <p:extLst>
+    <p:ext uri="{EFAFB233-063F-42B5-8137-9DF3F51BA10A}">
+      <p15:sldGuideLst xmlns:p15="http://schemas.microsoft.com/office/powerpoint/2012/main"/>
+    </p:ext>
+  </p:extLst>
 </p:presentation>
 </file>
 
@@ -602,7 +607,7 @@
           <a:p>
             <a:fld id="{72345051-2045-45DA-935E-2E3CA1A69ADC}" type="datetimeFigureOut">
               <a:rPr lang="en-US" smtClean="0"/>
-              <a:t>1/18/2025</a:t>
+              <a:t>1/21/2025</a:t>
             </a:fld>
             <a:endParaRPr lang="en-US" dirty="0"/>
           </a:p>
@@ -800,7 +805,7 @@
           <a:p>
             <a:fld id="{72345051-2045-45DA-935E-2E3CA1A69ADC}" type="datetimeFigureOut">
               <a:rPr lang="en-US" smtClean="0"/>
-              <a:t>1/18/2025</a:t>
+              <a:t>1/21/2025</a:t>
             </a:fld>
             <a:endParaRPr lang="en-US"/>
           </a:p>
@@ -1008,7 +1013,7 @@
           <a:p>
             <a:fld id="{72345051-2045-45DA-935E-2E3CA1A69ADC}" type="datetimeFigureOut">
               <a:rPr lang="en-US" smtClean="0"/>
-              <a:t>1/18/2025</a:t>
+              <a:t>1/21/2025</a:t>
             </a:fld>
             <a:endParaRPr lang="en-US"/>
           </a:p>
@@ -1230,7 +1235,7 @@
           <a:p>
             <a:fld id="{72345051-2045-45DA-935E-2E3CA1A69ADC}" type="datetimeFigureOut">
               <a:rPr lang="en-US" smtClean="0"/>
-              <a:t>1/18/2025</a:t>
+              <a:t>1/21/2025</a:t>
             </a:fld>
             <a:endParaRPr lang="en-US"/>
           </a:p>
@@ -2141,7 +2146,7 @@
           <a:p>
             <a:fld id="{72345051-2045-45DA-935E-2E3CA1A69ADC}" type="datetimeFigureOut">
               <a:rPr lang="en-US" smtClean="0"/>
-              <a:t>1/18/2025</a:t>
+              <a:t>1/21/2025</a:t>
             </a:fld>
             <a:endParaRPr lang="en-US"/>
           </a:p>
@@ -2744,7 +2749,7 @@
           <a:p>
             <a:fld id="{72345051-2045-45DA-935E-2E3CA1A69ADC}" type="datetimeFigureOut">
               <a:rPr lang="en-US" smtClean="0"/>
-              <a:t>1/18/2025</a:t>
+              <a:t>1/21/2025</a:t>
             </a:fld>
             <a:endParaRPr lang="en-US"/>
           </a:p>
@@ -3792,7 +3797,7 @@
           <a:p>
             <a:fld id="{72345051-2045-45DA-935E-2E3CA1A69ADC}" type="datetimeFigureOut">
               <a:rPr lang="en-US" smtClean="0"/>
-              <a:t>1/18/2025</a:t>
+              <a:t>1/21/2025</a:t>
             </a:fld>
             <a:endParaRPr lang="en-US"/>
           </a:p>
@@ -4576,7 +4581,7 @@
           <a:p>
             <a:fld id="{72345051-2045-45DA-935E-2E3CA1A69ADC}" type="datetimeFigureOut">
               <a:rPr lang="en-US" smtClean="0"/>
-              <a:t>1/18/2025</a:t>
+              <a:t>1/21/2025</a:t>
             </a:fld>
             <a:endParaRPr lang="en-US"/>
           </a:p>
@@ -5025,7 +5030,7 @@
           <a:p>
             <a:fld id="{72345051-2045-45DA-935E-2E3CA1A69ADC}" type="datetimeFigureOut">
               <a:rPr lang="en-US" smtClean="0"/>
-              <a:t>1/18/2025</a:t>
+              <a:t>1/21/2025</a:t>
             </a:fld>
             <a:endParaRPr lang="en-US"/>
           </a:p>
@@ -5342,7 +5347,7 @@
           <a:p>
             <a:fld id="{72345051-2045-45DA-935E-2E3CA1A69ADC}" type="datetimeFigureOut">
               <a:rPr lang="en-US" smtClean="0"/>
-              <a:t>1/18/2025</a:t>
+              <a:t>1/21/2025</a:t>
             </a:fld>
             <a:endParaRPr lang="en-US"/>
           </a:p>
@@ -5970,7 +5975,7 @@
           <a:p>
             <a:fld id="{72345051-2045-45DA-935E-2E3CA1A69ADC}" type="datetimeFigureOut">
               <a:rPr lang="en-US" smtClean="0"/>
-              <a:t>1/18/2025</a:t>
+              <a:t>1/21/2025</a:t>
             </a:fld>
             <a:endParaRPr lang="en-US"/>
           </a:p>
@@ -6543,7 +6548,7 @@
           <a:p>
             <a:fld id="{72345051-2045-45DA-935E-2E3CA1A69ADC}" type="datetimeFigureOut">
               <a:rPr lang="en-US" smtClean="0"/>
-              <a:t>1/18/2025</a:t>
+              <a:t>1/21/2025</a:t>
             </a:fld>
             <a:endParaRPr lang="en-US" dirty="0"/>
           </a:p>
@@ -7027,7 +7032,7 @@
         </p:nvSpPr>
         <p:spPr>
           <a:xfrm>
-            <a:off x="890339" y="4636008"/>
+            <a:off x="890339" y="4862149"/>
             <a:ext cx="3734014" cy="1572768"/>
           </a:xfrm>
         </p:spPr>
@@ -7918,8 +7923,8 @@
           </a:p>
         </p:txBody>
       </p:sp>
-      <mc:AlternateContent xmlns:mc="http://schemas.openxmlformats.org/markup-compatibility/2006">
-        <mc:Choice xmlns:a14="http://schemas.microsoft.com/office/drawing/2010/main" Requires="a14">
+      <mc:AlternateContent xmlns:mc="http://schemas.openxmlformats.org/markup-compatibility/2006" xmlns:a14="http://schemas.microsoft.com/office/drawing/2010/main">
+        <mc:Choice Requires="a14">
           <p:sp>
             <p:nvSpPr>
               <p:cNvPr id="3" name="Content Placeholder 2">
@@ -8379,7 +8384,7 @@
             </p:txBody>
           </p:sp>
         </mc:Choice>
-        <mc:Fallback>
+        <mc:Fallback xmlns="">
           <p:sp>
             <p:nvSpPr>
               <p:cNvPr id="3" name="Content Placeholder 2">
